--- a/docs/pptx/VINS/07-VINS-介绍.pptx
+++ b/docs/pptx/VINS/07-VINS-介绍.pptx
@@ -269,7 +269,7 @@
           <a:p>
             <a:fld id="{D997B5FA-0921-464F-AAE1-844C04324D75}" type="datetimeFigureOut">
               <a:rPr lang="zh-CN" altLang="en-US" smtClean="0"/>
-              <a:t>2022/3/19</a:t>
+              <a:t>2022/3/20</a:t>
             </a:fld>
             <a:endParaRPr lang="zh-CN" altLang="en-US"/>
           </a:p>
@@ -432,7 +432,7 @@
           <a:p>
             <a:fld id="{D997B5FA-0921-464F-AAE1-844C04324D75}" type="datetimeFigureOut">
               <a:rPr lang="zh-CN" altLang="en-US" smtClean="0"/>
-              <a:t>2022/3/19</a:t>
+              <a:t>2022/3/20</a:t>
             </a:fld>
             <a:endParaRPr lang="zh-CN" altLang="en-US"/>
           </a:p>
@@ -605,7 +605,7 @@
           <a:p>
             <a:fld id="{D997B5FA-0921-464F-AAE1-844C04324D75}" type="datetimeFigureOut">
               <a:rPr lang="zh-CN" altLang="en-US" smtClean="0"/>
-              <a:t>2022/3/19</a:t>
+              <a:t>2022/3/20</a:t>
             </a:fld>
             <a:endParaRPr lang="zh-CN" altLang="en-US"/>
           </a:p>
@@ -768,7 +768,7 @@
           <a:p>
             <a:fld id="{D997B5FA-0921-464F-AAE1-844C04324D75}" type="datetimeFigureOut">
               <a:rPr lang="zh-CN" altLang="en-US" smtClean="0"/>
-              <a:t>2022/3/19</a:t>
+              <a:t>2022/3/20</a:t>
             </a:fld>
             <a:endParaRPr lang="zh-CN" altLang="en-US"/>
           </a:p>
@@ -1008,7 +1008,7 @@
           <a:p>
             <a:fld id="{D997B5FA-0921-464F-AAE1-844C04324D75}" type="datetimeFigureOut">
               <a:rPr lang="zh-CN" altLang="en-US" smtClean="0"/>
-              <a:t>2022/3/19</a:t>
+              <a:t>2022/3/20</a:t>
             </a:fld>
             <a:endParaRPr lang="zh-CN" altLang="en-US"/>
           </a:p>
@@ -1232,7 +1232,7 @@
           <a:p>
             <a:fld id="{D997B5FA-0921-464F-AAE1-844C04324D75}" type="datetimeFigureOut">
               <a:rPr lang="zh-CN" altLang="en-US" smtClean="0"/>
-              <a:t>2022/3/19</a:t>
+              <a:t>2022/3/20</a:t>
             </a:fld>
             <a:endParaRPr lang="zh-CN" altLang="en-US"/>
           </a:p>
@@ -1591,7 +1591,7 @@
           <a:p>
             <a:fld id="{D997B5FA-0921-464F-AAE1-844C04324D75}" type="datetimeFigureOut">
               <a:rPr lang="zh-CN" altLang="en-US" smtClean="0"/>
-              <a:t>2022/3/19</a:t>
+              <a:t>2022/3/20</a:t>
             </a:fld>
             <a:endParaRPr lang="zh-CN" altLang="en-US"/>
           </a:p>
@@ -1703,7 +1703,7 @@
           <a:p>
             <a:fld id="{D997B5FA-0921-464F-AAE1-844C04324D75}" type="datetimeFigureOut">
               <a:rPr lang="zh-CN" altLang="en-US" smtClean="0"/>
-              <a:t>2022/3/19</a:t>
+              <a:t>2022/3/20</a:t>
             </a:fld>
             <a:endParaRPr lang="zh-CN" altLang="en-US"/>
           </a:p>
@@ -1793,7 +1793,7 @@
           <a:p>
             <a:fld id="{D997B5FA-0921-464F-AAE1-844C04324D75}" type="datetimeFigureOut">
               <a:rPr lang="zh-CN" altLang="en-US" smtClean="0"/>
-              <a:t>2022/3/19</a:t>
+              <a:t>2022/3/20</a:t>
             </a:fld>
             <a:endParaRPr lang="zh-CN" altLang="en-US"/>
           </a:p>
@@ -2063,7 +2063,7 @@
           <a:p>
             <a:fld id="{D997B5FA-0921-464F-AAE1-844C04324D75}" type="datetimeFigureOut">
               <a:rPr lang="zh-CN" altLang="en-US" smtClean="0"/>
-              <a:t>2022/3/19</a:t>
+              <a:t>2022/3/20</a:t>
             </a:fld>
             <a:endParaRPr lang="zh-CN" altLang="en-US"/>
           </a:p>
@@ -2310,7 +2310,7 @@
           <a:p>
             <a:fld id="{D997B5FA-0921-464F-AAE1-844C04324D75}" type="datetimeFigureOut">
               <a:rPr lang="zh-CN" altLang="en-US" smtClean="0"/>
-              <a:t>2022/3/19</a:t>
+              <a:t>2022/3/20</a:t>
             </a:fld>
             <a:endParaRPr lang="zh-CN" altLang="en-US"/>
           </a:p>
@@ -2516,7 +2516,7 @@
           <a:p>
             <a:fld id="{D997B5FA-0921-464F-AAE1-844C04324D75}" type="datetimeFigureOut">
               <a:rPr lang="zh-CN" altLang="en-US" smtClean="0"/>
-              <a:t>2022/3/19</a:t>
+              <a:t>2022/3/20</a:t>
             </a:fld>
             <a:endParaRPr lang="zh-CN" altLang="en-US"/>
           </a:p>
@@ -3008,12 +3008,9 @@
                 </a:r>
                 <a:r>
                   <a:rPr lang="en-US" altLang="zh-CN" sz="3200" b="1" i="1" dirty="0"/>
-                  <a:t>SLAM VINS-Mono</a:t>
+                  <a:t>SLAM</a:t>
                 </a:r>
-                <a:r>
-                  <a:rPr lang="zh-CN" altLang="en-US" sz="3200" b="1" i="1" dirty="0"/>
-                  <a:t> </a:t>
-                </a:r>
+                <a:endParaRPr lang="zh-CN" altLang="en-US" sz="3200" b="1" i="1" dirty="0"/>
               </a:p>
             </p:txBody>
           </p:sp>
@@ -3165,11 +3162,11 @@
               <a:p>
                 <a:r>
                   <a:rPr lang="en-US" altLang="zh-CN" sz="4800" b="1" dirty="0"/>
-                  <a:t>C++ </a:t>
+                  <a:t>VINS </a:t>
                 </a:r>
                 <a:r>
                   <a:rPr lang="zh-CN" altLang="en-US" sz="4800" b="1" dirty="0"/>
-                  <a:t>基础</a:t>
+                  <a:t>介绍</a:t>
                 </a:r>
               </a:p>
             </p:txBody>
@@ -4265,7 +4262,7 @@
           <a:graphicData uri="http://schemas.openxmlformats.org/presentationml/2006/ole">
             <mc:AlternateContent xmlns:mc="http://schemas.openxmlformats.org/markup-compatibility/2006">
               <mc:Choice xmlns:v="urn:schemas-microsoft-com:vml" Requires="v">
-                <p:oleObj spid="_x0000_s1036" r:id="rId3" imgW="203200" imgH="228600" progId="Equation.KSEE3">
+                <p:oleObj spid="_x0000_s1042" r:id="rId3" imgW="203200" imgH="228600" progId="Equation.KSEE3">
                   <p:embed/>
                 </p:oleObj>
               </mc:Choice>
@@ -15408,881 +15405,69 @@
           </p:sp>
         </p:grpSp>
       </p:grpSp>
-      <p:sp>
-        <p:nvSpPr>
-          <p:cNvPr id="12" name="文本框 11"/>
-          <p:cNvSpPr txBox="1"/>
-          <p:nvPr/>
-        </p:nvSpPr>
-        <p:spPr>
-          <a:xfrm>
-            <a:off x="2055495" y="1595120"/>
-            <a:ext cx="2540000" cy="460375"/>
-          </a:xfrm>
-          <a:prstGeom prst="rect">
-            <a:avLst/>
-          </a:prstGeom>
-          <a:noFill/>
-        </p:spPr>
-        <p:txBody>
-          <a:bodyPr wrap="square" rtlCol="0" anchor="t">
-            <a:spAutoFit/>
-          </a:bodyPr>
-          <a:lstStyle/>
-          <a:p>
-            <a:r>
-              <a:rPr lang="zh-CN" altLang="en-US" sz="2400"/>
-              <a:t>体重秤</a:t>
-            </a:r>
-          </a:p>
-        </p:txBody>
-      </p:sp>
-      <p:grpSp>
-        <p:nvGrpSpPr>
-          <p:cNvPr id="13" name="组合 12"/>
-          <p:cNvGrpSpPr/>
-          <p:nvPr/>
-        </p:nvGrpSpPr>
-        <p:grpSpPr>
-          <a:xfrm>
-            <a:off x="1588135" y="1663065"/>
-            <a:ext cx="331470" cy="323850"/>
-            <a:chOff x="3085" y="2274"/>
-            <a:chExt cx="522" cy="510"/>
-          </a:xfrm>
-        </p:grpSpPr>
-        <p:sp>
-          <p:nvSpPr>
-            <p:cNvPr id="37" name="椭圆 36"/>
-            <p:cNvSpPr/>
-            <p:nvPr/>
-          </p:nvSpPr>
-          <p:spPr>
-            <a:xfrm>
-              <a:off x="3202" y="2387"/>
-              <a:ext cx="288" cy="286"/>
-            </a:xfrm>
-            <a:prstGeom prst="ellipse">
-              <a:avLst/>
-            </a:prstGeom>
-            <a:solidFill>
-              <a:srgbClr val="7030A0"/>
-            </a:solidFill>
-            <a:ln>
-              <a:noFill/>
-            </a:ln>
-          </p:spPr>
-          <p:style>
-            <a:lnRef idx="2">
-              <a:schemeClr val="accent1">
-                <a:shade val="50000"/>
-              </a:schemeClr>
-            </a:lnRef>
-            <a:fillRef idx="1">
-              <a:schemeClr val="accent1"/>
-            </a:fillRef>
-            <a:effectRef idx="0">
-              <a:schemeClr val="accent1"/>
-            </a:effectRef>
-            <a:fontRef idx="minor">
-              <a:schemeClr val="lt1"/>
-            </a:fontRef>
-          </p:style>
-          <p:txBody>
-            <a:bodyPr rtlCol="0" anchor="ctr"/>
-            <a:lstStyle/>
-            <a:p>
-              <a:pPr algn="ctr"/>
-              <a:endParaRPr lang="zh-CN" altLang="en-US"/>
-            </a:p>
-          </p:txBody>
-        </p:sp>
-        <p:sp>
-          <p:nvSpPr>
-            <p:cNvPr id="38" name="椭圆 37"/>
-            <p:cNvSpPr/>
-            <p:nvPr/>
-          </p:nvSpPr>
-          <p:spPr>
-            <a:xfrm>
-              <a:off x="3085" y="2274"/>
-              <a:ext cx="523" cy="511"/>
-            </a:xfrm>
-            <a:prstGeom prst="ellipse">
-              <a:avLst/>
-            </a:prstGeom>
-            <a:noFill/>
-            <a:ln w="47625" cmpd="sng">
-              <a:solidFill>
-                <a:srgbClr val="7030A0"/>
-              </a:solidFill>
-              <a:prstDash val="solid"/>
-            </a:ln>
-          </p:spPr>
-          <p:style>
-            <a:lnRef idx="2">
-              <a:schemeClr val="accent1">
-                <a:shade val="50000"/>
-              </a:schemeClr>
-            </a:lnRef>
-            <a:fillRef idx="1">
-              <a:schemeClr val="accent1"/>
-            </a:fillRef>
-            <a:effectRef idx="0">
-              <a:schemeClr val="accent1"/>
-            </a:effectRef>
-            <a:fontRef idx="minor">
-              <a:schemeClr val="lt1"/>
-            </a:fontRef>
-          </p:style>
-          <p:txBody>
-            <a:bodyPr rtlCol="0" anchor="ctr"/>
-            <a:lstStyle/>
-            <a:p>
-              <a:pPr algn="ctr"/>
-              <a:endParaRPr lang="zh-CN" altLang="en-US"/>
-            </a:p>
-          </p:txBody>
-        </p:sp>
-      </p:grpSp>
-      <p:sp>
-        <p:nvSpPr>
-          <p:cNvPr id="14" name="文本框 13"/>
-          <p:cNvSpPr txBox="1"/>
-          <p:nvPr/>
-        </p:nvSpPr>
-        <p:spPr>
-          <a:xfrm>
-            <a:off x="2289810" y="2055495"/>
-            <a:ext cx="5232400" cy="368300"/>
-          </a:xfrm>
-          <a:prstGeom prst="rect">
-            <a:avLst/>
-          </a:prstGeom>
-          <a:noFill/>
-        </p:spPr>
-        <p:txBody>
-          <a:bodyPr wrap="square" rtlCol="0" anchor="t">
-            <a:spAutoFit/>
-          </a:bodyPr>
-          <a:lstStyle/>
-          <a:p>
-            <a:r>
-              <a:rPr lang="zh-CN" altLang="en-US"/>
-              <a:t>第一次体重： 161 lbs</a:t>
-            </a:r>
-            <a:r>
-              <a:rPr lang="en-US" altLang="zh-CN"/>
-              <a:t> </a:t>
-            </a:r>
-          </a:p>
-        </p:txBody>
-      </p:sp>
-      <p:sp>
-        <p:nvSpPr>
-          <p:cNvPr id="19" name="文本框 18"/>
-          <p:cNvSpPr txBox="1"/>
-          <p:nvPr/>
-        </p:nvSpPr>
-        <p:spPr>
-          <a:xfrm>
-            <a:off x="2289810" y="2851150"/>
-            <a:ext cx="5575935" cy="368300"/>
-          </a:xfrm>
-          <a:prstGeom prst="rect">
-            <a:avLst/>
-          </a:prstGeom>
-          <a:noFill/>
-        </p:spPr>
-        <p:txBody>
-          <a:bodyPr wrap="square" rtlCol="0" anchor="t">
-            <a:spAutoFit/>
-          </a:bodyPr>
-          <a:lstStyle/>
-          <a:p>
-            <a:r>
-              <a:rPr lang="zh-CN" altLang="en-US">
-                <a:sym typeface="+mn-ea"/>
-              </a:rPr>
-              <a:t>第二次体重： </a:t>
-            </a:r>
-            <a:r>
-              <a:rPr>
-                <a:sym typeface="+mn-ea"/>
-              </a:rPr>
-              <a:t>172 lbs</a:t>
-            </a:r>
-          </a:p>
-        </p:txBody>
-      </p:sp>
-      <p:sp>
-        <p:nvSpPr>
-          <p:cNvPr id="21" name="矩形 20"/>
-          <p:cNvSpPr/>
-          <p:nvPr/>
-        </p:nvSpPr>
-        <p:spPr>
-          <a:xfrm>
-            <a:off x="1997075" y="2161540"/>
-            <a:ext cx="224790" cy="222250"/>
-          </a:xfrm>
-          <a:prstGeom prst="rect">
-            <a:avLst/>
-          </a:prstGeom>
-          <a:solidFill>
-            <a:srgbClr val="FFC000"/>
-          </a:solidFill>
-          <a:ln>
-            <a:noFill/>
-          </a:ln>
-        </p:spPr>
-        <p:style>
-          <a:lnRef idx="2">
-            <a:schemeClr val="accent1">
-              <a:shade val="50000"/>
-            </a:schemeClr>
-          </a:lnRef>
-          <a:fillRef idx="1">
-            <a:schemeClr val="accent1"/>
-          </a:fillRef>
-          <a:effectRef idx="0">
-            <a:schemeClr val="accent1"/>
-          </a:effectRef>
-          <a:fontRef idx="minor">
-            <a:schemeClr val="lt1"/>
-          </a:fontRef>
-        </p:style>
-        <p:txBody>
-          <a:bodyPr rtlCol="0" anchor="ctr"/>
-          <a:lstStyle/>
-          <a:p>
-            <a:pPr algn="ctr"/>
-            <a:r>
-              <a:rPr lang="en-US" altLang="zh-CN"/>
-              <a:t>1</a:t>
-            </a:r>
-          </a:p>
-        </p:txBody>
-      </p:sp>
-      <p:sp>
-        <p:nvSpPr>
-          <p:cNvPr id="23" name="矩形 22"/>
-          <p:cNvSpPr/>
-          <p:nvPr/>
-        </p:nvSpPr>
-        <p:spPr>
-          <a:xfrm>
-            <a:off x="1997075" y="2924175"/>
-            <a:ext cx="224790" cy="222250"/>
-          </a:xfrm>
-          <a:prstGeom prst="rect">
-            <a:avLst/>
-          </a:prstGeom>
-          <a:solidFill>
-            <a:srgbClr val="FFC000"/>
-          </a:solidFill>
-          <a:ln>
-            <a:noFill/>
-          </a:ln>
-        </p:spPr>
-        <p:style>
-          <a:lnRef idx="2">
-            <a:schemeClr val="accent1">
-              <a:shade val="50000"/>
-            </a:schemeClr>
-          </a:lnRef>
-          <a:fillRef idx="1">
-            <a:schemeClr val="accent1"/>
-          </a:fillRef>
-          <a:effectRef idx="0">
-            <a:schemeClr val="accent1"/>
-          </a:effectRef>
-          <a:fontRef idx="minor">
-            <a:schemeClr val="lt1"/>
-          </a:fontRef>
-        </p:style>
-        <p:txBody>
-          <a:bodyPr rtlCol="0" anchor="ctr"/>
-          <a:lstStyle/>
-          <a:p>
-            <a:pPr algn="ctr"/>
-            <a:r>
-              <a:rPr lang="en-US" altLang="zh-CN"/>
-              <a:t>2</a:t>
-            </a:r>
-          </a:p>
-        </p:txBody>
-      </p:sp>
-      <p:grpSp>
-        <p:nvGrpSpPr>
-          <p:cNvPr id="52" name="组合 51"/>
-          <p:cNvGrpSpPr/>
-          <p:nvPr/>
-        </p:nvGrpSpPr>
-        <p:grpSpPr>
-          <a:xfrm>
-            <a:off x="1609090" y="3424555"/>
-            <a:ext cx="5207635" cy="460375"/>
-            <a:chOff x="2501" y="7053"/>
-            <a:chExt cx="8201" cy="725"/>
-          </a:xfrm>
-        </p:grpSpPr>
-        <p:grpSp>
-          <p:nvGrpSpPr>
-            <p:cNvPr id="27" name="组合 26"/>
-            <p:cNvGrpSpPr/>
-            <p:nvPr/>
-          </p:nvGrpSpPr>
-          <p:grpSpPr>
-            <a:xfrm>
-              <a:off x="2501" y="7159"/>
-              <a:ext cx="522" cy="510"/>
-              <a:chOff x="3085" y="2274"/>
-              <a:chExt cx="522" cy="510"/>
-            </a:xfrm>
-          </p:grpSpPr>
-          <p:sp>
-            <p:nvSpPr>
-              <p:cNvPr id="28" name="椭圆 27"/>
-              <p:cNvSpPr/>
-              <p:nvPr/>
-            </p:nvSpPr>
-            <p:spPr>
-              <a:xfrm>
-                <a:off x="3202" y="2387"/>
-                <a:ext cx="288" cy="286"/>
-              </a:xfrm>
-              <a:prstGeom prst="ellipse">
-                <a:avLst/>
-              </a:prstGeom>
-              <a:solidFill>
-                <a:srgbClr val="7030A0"/>
-              </a:solidFill>
-              <a:ln>
-                <a:noFill/>
-              </a:ln>
-            </p:spPr>
-            <p:style>
-              <a:lnRef idx="2">
-                <a:schemeClr val="accent1">
-                  <a:shade val="50000"/>
-                </a:schemeClr>
-              </a:lnRef>
-              <a:fillRef idx="1">
-                <a:schemeClr val="accent1"/>
-              </a:fillRef>
-              <a:effectRef idx="0">
-                <a:schemeClr val="accent1"/>
-              </a:effectRef>
-              <a:fontRef idx="minor">
-                <a:schemeClr val="lt1"/>
-              </a:fontRef>
-            </p:style>
-            <p:txBody>
-              <a:bodyPr rtlCol="0" anchor="ctr"/>
-              <a:lstStyle/>
-              <a:p>
-                <a:pPr algn="ctr"/>
-                <a:endParaRPr lang="zh-CN" altLang="en-US"/>
-              </a:p>
-            </p:txBody>
-          </p:sp>
-          <p:sp>
-            <p:nvSpPr>
-              <p:cNvPr id="29" name="椭圆 28"/>
-              <p:cNvSpPr/>
-              <p:nvPr/>
-            </p:nvSpPr>
-            <p:spPr>
-              <a:xfrm>
-                <a:off x="3085" y="2274"/>
-                <a:ext cx="523" cy="511"/>
-              </a:xfrm>
-              <a:prstGeom prst="ellipse">
-                <a:avLst/>
-              </a:prstGeom>
-              <a:noFill/>
-              <a:ln w="47625" cmpd="sng">
-                <a:solidFill>
-                  <a:srgbClr val="7030A0"/>
-                </a:solidFill>
-                <a:prstDash val="solid"/>
-              </a:ln>
-            </p:spPr>
-            <p:style>
-              <a:lnRef idx="2">
-                <a:schemeClr val="accent1">
-                  <a:shade val="50000"/>
-                </a:schemeClr>
-              </a:lnRef>
-              <a:fillRef idx="1">
-                <a:schemeClr val="accent1"/>
-              </a:fillRef>
-              <a:effectRef idx="0">
-                <a:schemeClr val="accent1"/>
-              </a:effectRef>
-              <a:fontRef idx="minor">
-                <a:schemeClr val="lt1"/>
-              </a:fontRef>
-            </p:style>
-            <p:txBody>
-              <a:bodyPr rtlCol="0" anchor="ctr"/>
-              <a:lstStyle/>
-              <a:p>
-                <a:pPr algn="ctr"/>
-                <a:endParaRPr lang="zh-CN" altLang="en-US"/>
-              </a:p>
-            </p:txBody>
-          </p:sp>
-        </p:grpSp>
-        <p:sp>
-          <p:nvSpPr>
-            <p:cNvPr id="30" name="文本框 29"/>
-            <p:cNvSpPr txBox="1"/>
-            <p:nvPr/>
-          </p:nvSpPr>
-          <p:spPr>
-            <a:xfrm>
-              <a:off x="3237" y="7053"/>
-              <a:ext cx="7465" cy="725"/>
-            </a:xfrm>
-            <a:prstGeom prst="rect">
-              <a:avLst/>
-            </a:prstGeom>
-            <a:noFill/>
-          </p:spPr>
-          <p:txBody>
-            <a:bodyPr wrap="square" rtlCol="0" anchor="t">
-              <a:spAutoFit/>
-            </a:bodyPr>
-            <a:lstStyle/>
-            <a:p>
-              <a:r>
-                <a:rPr lang="en-US" altLang="zh-CN" sz="2400"/>
-                <a:t>How can improve upon this result ? </a:t>
-              </a:r>
-            </a:p>
-          </p:txBody>
-        </p:sp>
-      </p:grpSp>
-      <p:grpSp>
-        <p:nvGrpSpPr>
-          <p:cNvPr id="34" name="组合 33"/>
-          <p:cNvGrpSpPr/>
-          <p:nvPr/>
-        </p:nvGrpSpPr>
-        <p:grpSpPr>
-          <a:xfrm>
-            <a:off x="1997075" y="4140835"/>
-            <a:ext cx="3184525" cy="368300"/>
-            <a:chOff x="3145" y="7989"/>
-            <a:chExt cx="5015" cy="580"/>
-          </a:xfrm>
-        </p:grpSpPr>
-        <p:sp>
-          <p:nvSpPr>
-            <p:cNvPr id="35" name="矩形 34"/>
-            <p:cNvSpPr/>
-            <p:nvPr/>
-          </p:nvSpPr>
-          <p:spPr>
-            <a:xfrm>
-              <a:off x="3145" y="8104"/>
-              <a:ext cx="354" cy="350"/>
-            </a:xfrm>
-            <a:prstGeom prst="rect">
-              <a:avLst/>
-            </a:prstGeom>
-            <a:solidFill>
-              <a:srgbClr val="FF0000"/>
-            </a:solidFill>
-            <a:ln>
-              <a:noFill/>
-            </a:ln>
-          </p:spPr>
-          <p:style>
-            <a:lnRef idx="2">
-              <a:schemeClr val="accent1">
-                <a:shade val="50000"/>
-              </a:schemeClr>
-            </a:lnRef>
-            <a:fillRef idx="1">
-              <a:schemeClr val="accent1"/>
-            </a:fillRef>
-            <a:effectRef idx="0">
-              <a:schemeClr val="accent1"/>
-            </a:effectRef>
-            <a:fontRef idx="minor">
-              <a:schemeClr val="lt1"/>
-            </a:fontRef>
-          </p:style>
-          <p:txBody>
-            <a:bodyPr rtlCol="0" anchor="ctr"/>
-            <a:lstStyle/>
-            <a:p>
-              <a:pPr algn="ctr"/>
-              <a:r>
-                <a:rPr lang="en-US" altLang="zh-CN"/>
-                <a:t>A</a:t>
-              </a:r>
-            </a:p>
-          </p:txBody>
-        </p:sp>
-        <p:sp>
-          <p:nvSpPr>
-            <p:cNvPr id="36" name="文本框 35"/>
-            <p:cNvSpPr txBox="1"/>
-            <p:nvPr/>
-          </p:nvSpPr>
-          <p:spPr>
-            <a:xfrm>
-              <a:off x="3606" y="7989"/>
-              <a:ext cx="4554" cy="580"/>
-            </a:xfrm>
-            <a:prstGeom prst="rect">
-              <a:avLst/>
-            </a:prstGeom>
-            <a:noFill/>
-          </p:spPr>
-          <p:txBody>
-            <a:bodyPr wrap="none" rtlCol="0" anchor="t">
-              <a:spAutoFit/>
-            </a:bodyPr>
-            <a:lstStyle/>
-            <a:p>
-              <a:pPr algn="l"/>
-              <a:r>
-                <a:rPr>
-                  <a:sym typeface="+mn-ea"/>
-                </a:rPr>
-                <a:t> first scale (A) reads “160 lbs”</a:t>
-              </a:r>
-            </a:p>
-          </p:txBody>
-        </p:sp>
-      </p:grpSp>
-      <p:pic>
-        <p:nvPicPr>
-          <p:cNvPr id="2" name="图片 1"/>
-          <p:cNvPicPr>
-            <a:picLocks noChangeAspect="1"/>
-          </p:cNvPicPr>
-          <p:nvPr/>
-        </p:nvPicPr>
-        <p:blipFill>
-          <a:blip r:embed="rId2"/>
-          <a:stretch>
-            <a:fillRect/>
-          </a:stretch>
-        </p:blipFill>
-        <p:spPr>
-          <a:xfrm>
-            <a:off x="8540750" y="1595120"/>
-            <a:ext cx="2394585" cy="2394585"/>
-          </a:xfrm>
-          <a:prstGeom prst="rect">
-            <a:avLst/>
-          </a:prstGeom>
-        </p:spPr>
-      </p:pic>
-      <p:sp>
-        <p:nvSpPr>
-          <p:cNvPr id="3" name="文本框 2"/>
-          <p:cNvSpPr txBox="1"/>
-          <p:nvPr/>
-        </p:nvSpPr>
-        <p:spPr>
-          <a:xfrm>
-            <a:off x="9304020" y="3989705"/>
-            <a:ext cx="716280" cy="306705"/>
-          </a:xfrm>
-          <a:prstGeom prst="rect">
-            <a:avLst/>
-          </a:prstGeom>
-          <a:noFill/>
-        </p:spPr>
-        <p:txBody>
-          <a:bodyPr wrap="none" rtlCol="0" anchor="t">
-            <a:spAutoFit/>
-          </a:bodyPr>
-          <a:lstStyle/>
-          <a:p>
-            <a:r>
-              <a:rPr lang="zh-CN" altLang="en-US" sz="1400">
-                <a:sym typeface="+mn-ea"/>
-              </a:rPr>
-              <a:t>体重秤</a:t>
-            </a:r>
-          </a:p>
-        </p:txBody>
-      </p:sp>
-      <p:sp>
-        <p:nvSpPr>
-          <p:cNvPr id="16" name="右箭头 15"/>
-          <p:cNvSpPr/>
-          <p:nvPr/>
-        </p:nvSpPr>
-        <p:spPr>
-          <a:xfrm>
-            <a:off x="5184775" y="2423795"/>
-            <a:ext cx="453390" cy="337820"/>
-          </a:xfrm>
-          <a:prstGeom prst="rightArrow">
-            <a:avLst/>
-          </a:prstGeom>
-          <a:solidFill>
-            <a:schemeClr val="accent1"/>
-          </a:solidFill>
-          <a:ln>
-            <a:noFill/>
-          </a:ln>
-        </p:spPr>
-        <p:style>
-          <a:lnRef idx="2">
-            <a:schemeClr val="accent1">
-              <a:shade val="50000"/>
-            </a:schemeClr>
-          </a:lnRef>
-          <a:fillRef idx="1">
-            <a:schemeClr val="accent1"/>
-          </a:fillRef>
-          <a:effectRef idx="0">
-            <a:schemeClr val="accent1"/>
-          </a:effectRef>
-          <a:fontRef idx="minor">
-            <a:schemeClr val="lt1"/>
-          </a:fontRef>
-        </p:style>
-        <p:txBody>
-          <a:bodyPr rtlCol="0" anchor="ctr"/>
-          <a:lstStyle/>
-          <a:p>
-            <a:pPr algn="ctr"/>
-            <a:endParaRPr lang="zh-CN" altLang="en-US"/>
-          </a:p>
-        </p:txBody>
-      </p:sp>
-      <p:sp>
-        <p:nvSpPr>
-          <p:cNvPr id="17" name="文本框 16"/>
-          <p:cNvSpPr txBox="1"/>
-          <p:nvPr/>
-        </p:nvSpPr>
-        <p:spPr>
-          <a:xfrm>
-            <a:off x="5824855" y="2393315"/>
-            <a:ext cx="2540000" cy="368300"/>
-          </a:xfrm>
-          <a:prstGeom prst="rect">
-            <a:avLst/>
-          </a:prstGeom>
-          <a:noFill/>
-        </p:spPr>
-        <p:txBody>
-          <a:bodyPr wrap="square" rtlCol="0" anchor="t">
-            <a:spAutoFit/>
-          </a:bodyPr>
-          <a:lstStyle/>
-          <a:p>
-            <a:r>
-              <a:rPr lang="zh-CN" altLang="en-US"/>
-              <a:t>Sensors are inaccurate</a:t>
-            </a:r>
-          </a:p>
-        </p:txBody>
-      </p:sp>
-      <p:pic>
-        <p:nvPicPr>
-          <p:cNvPr id="18" name="图片 17"/>
-          <p:cNvPicPr>
-            <a:picLocks noChangeAspect="1"/>
-          </p:cNvPicPr>
-          <p:nvPr/>
-        </p:nvPicPr>
-        <p:blipFill>
-          <a:blip r:embed="rId3"/>
-          <a:stretch>
-            <a:fillRect/>
-          </a:stretch>
-        </p:blipFill>
-        <p:spPr>
-          <a:xfrm>
-            <a:off x="6481445" y="1501775"/>
-            <a:ext cx="882015" cy="882015"/>
-          </a:xfrm>
-          <a:prstGeom prst="rect">
-            <a:avLst/>
-          </a:prstGeom>
-        </p:spPr>
-      </p:pic>
-      <p:sp>
-        <p:nvSpPr>
-          <p:cNvPr id="20" name="文本框 19"/>
-          <p:cNvSpPr txBox="1"/>
-          <p:nvPr/>
-        </p:nvSpPr>
-        <p:spPr>
-          <a:xfrm>
-            <a:off x="5843905" y="3128010"/>
-            <a:ext cx="2540000" cy="368300"/>
-          </a:xfrm>
-          <a:prstGeom prst="rect">
-            <a:avLst/>
-          </a:prstGeom>
-          <a:noFill/>
-        </p:spPr>
-        <p:txBody>
-          <a:bodyPr wrap="square" rtlCol="0" anchor="t">
-            <a:spAutoFit/>
-          </a:bodyPr>
-          <a:lstStyle/>
-          <a:p>
-            <a:r>
-              <a:rPr lang="zh-CN" altLang="en-US"/>
-              <a:t>Try Another Scale</a:t>
-            </a:r>
-          </a:p>
-        </p:txBody>
-      </p:sp>
-      <p:sp>
-        <p:nvSpPr>
-          <p:cNvPr id="22" name="下箭头 21"/>
-          <p:cNvSpPr/>
-          <p:nvPr/>
-        </p:nvSpPr>
-        <p:spPr>
-          <a:xfrm>
-            <a:off x="6694170" y="2761615"/>
-            <a:ext cx="337820" cy="366395"/>
-          </a:xfrm>
-          <a:prstGeom prst="downArrow">
-            <a:avLst/>
-          </a:prstGeom>
-          <a:ln>
-            <a:noFill/>
-          </a:ln>
-        </p:spPr>
-        <p:style>
-          <a:lnRef idx="2">
-            <a:schemeClr val="accent1">
-              <a:shade val="50000"/>
-            </a:schemeClr>
-          </a:lnRef>
-          <a:fillRef idx="1">
-            <a:schemeClr val="accent1"/>
-          </a:fillRef>
-          <a:effectRef idx="0">
-            <a:schemeClr val="accent1"/>
-          </a:effectRef>
-          <a:fontRef idx="minor">
-            <a:schemeClr val="lt1"/>
-          </a:fontRef>
-        </p:style>
-        <p:txBody>
-          <a:bodyPr rtlCol="0" anchor="ctr"/>
-          <a:lstStyle/>
-          <a:p>
-            <a:pPr algn="ctr"/>
-            <a:endParaRPr lang="zh-CN" altLang="en-US"/>
-          </a:p>
-        </p:txBody>
-      </p:sp>
-      <p:grpSp>
-        <p:nvGrpSpPr>
-          <p:cNvPr id="26" name="组合 25"/>
-          <p:cNvGrpSpPr/>
-          <p:nvPr/>
-        </p:nvGrpSpPr>
-        <p:grpSpPr>
-          <a:xfrm>
-            <a:off x="1997075" y="4605655"/>
-            <a:ext cx="2962910" cy="368300"/>
-            <a:chOff x="3145" y="7989"/>
-            <a:chExt cx="4666" cy="580"/>
-          </a:xfrm>
-        </p:grpSpPr>
-        <p:sp>
-          <p:nvSpPr>
-            <p:cNvPr id="31" name="矩形 30"/>
-            <p:cNvSpPr/>
-            <p:nvPr/>
-          </p:nvSpPr>
-          <p:spPr>
-            <a:xfrm>
-              <a:off x="3145" y="8104"/>
-              <a:ext cx="354" cy="350"/>
-            </a:xfrm>
-            <a:prstGeom prst="rect">
-              <a:avLst/>
-            </a:prstGeom>
-            <a:solidFill>
-              <a:srgbClr val="FF0000"/>
-            </a:solidFill>
-            <a:ln>
-              <a:noFill/>
-            </a:ln>
-          </p:spPr>
-          <p:style>
-            <a:lnRef idx="2">
-              <a:schemeClr val="accent1">
-                <a:shade val="50000"/>
-              </a:schemeClr>
-            </a:lnRef>
-            <a:fillRef idx="1">
-              <a:schemeClr val="accent1"/>
-            </a:fillRef>
-            <a:effectRef idx="0">
-              <a:schemeClr val="accent1"/>
-            </a:effectRef>
-            <a:fontRef idx="minor">
-              <a:schemeClr val="lt1"/>
-            </a:fontRef>
-          </p:style>
-          <p:txBody>
-            <a:bodyPr rtlCol="0" anchor="ctr"/>
-            <a:lstStyle/>
-            <a:p>
-              <a:pPr algn="ctr"/>
-              <a:r>
-                <a:rPr lang="en-US" altLang="zh-CN"/>
-                <a:t>B</a:t>
-              </a:r>
-            </a:p>
-          </p:txBody>
-        </p:sp>
-        <p:sp>
-          <p:nvSpPr>
-            <p:cNvPr id="32" name="文本框 31"/>
-            <p:cNvSpPr txBox="1"/>
-            <p:nvPr/>
-          </p:nvSpPr>
-          <p:spPr>
-            <a:xfrm>
-              <a:off x="3606" y="7989"/>
-              <a:ext cx="4205" cy="580"/>
-            </a:xfrm>
-            <a:prstGeom prst="rect">
-              <a:avLst/>
-            </a:prstGeom>
-            <a:noFill/>
-          </p:spPr>
-          <p:txBody>
-            <a:bodyPr wrap="none" rtlCol="0" anchor="t">
-              <a:spAutoFit/>
-            </a:bodyPr>
-            <a:lstStyle/>
-            <a:p>
-              <a:pPr algn="l"/>
-              <a:r>
-                <a:rPr>
-                  <a:sym typeface="+mn-ea"/>
-                </a:rPr>
-                <a:t> second (B) reads “170 lbs”</a:t>
-              </a:r>
-            </a:p>
-          </p:txBody>
-        </p:sp>
-      </p:grpSp>
+      <p:graphicFrame>
+        <p:nvGraphicFramePr>
+          <p:cNvPr id="9" name="对象 8">
+            <a:extLst>
+              <a:ext uri="{FF2B5EF4-FFF2-40B4-BE49-F238E27FC236}">
+                <a16:creationId xmlns:a16="http://schemas.microsoft.com/office/drawing/2014/main" id="{4C967344-7FC6-496A-A560-45F4566CC74E}"/>
+              </a:ext>
+            </a:extLst>
+          </p:cNvPr>
+          <p:cNvGraphicFramePr>
+            <a:graphicFrameLocks noChangeAspect="1"/>
+          </p:cNvGraphicFramePr>
+          <p:nvPr>
+            <p:extLst>
+              <p:ext uri="{D42A27DB-BD31-4B8C-83A1-F6EECF244321}">
+                <p14:modId xmlns:p14="http://schemas.microsoft.com/office/powerpoint/2010/main" val="2384400999"/>
+              </p:ext>
+            </p:extLst>
+          </p:nvPr>
+        </p:nvGraphicFramePr>
+        <p:xfrm>
+          <a:off x="1403689" y="1333353"/>
+          <a:ext cx="9203260" cy="5120787"/>
+        </p:xfrm>
+        <a:graphic>
+          <a:graphicData uri="http://schemas.openxmlformats.org/presentationml/2006/ole">
+            <mc:AlternateContent xmlns:mc="http://schemas.openxmlformats.org/markup-compatibility/2006">
+              <mc:Choice xmlns:v="urn:schemas-microsoft-com:vml" Requires="v">
+                <p:oleObj spid="_x0000_s2053" name="AxGlyph" r:id="rId3" imgW="618480" imgH="344880" progId="AxGlyph.Document">
+                  <p:embed/>
+                </p:oleObj>
+              </mc:Choice>
+              <mc:Fallback>
+                <p:oleObj name="AxGlyph" r:id="rId3" imgW="618480" imgH="344880" progId="AxGlyph.Document">
+                  <p:embed/>
+                  <p:pic>
+                    <p:nvPicPr>
+                      <p:cNvPr id="0" name=""/>
+                      <p:cNvPicPr/>
+                      <p:nvPr/>
+                    </p:nvPicPr>
+                    <p:blipFill>
+                      <a:blip r:embed="rId4"/>
+                      <a:stretch>
+                        <a:fillRect/>
+                      </a:stretch>
+                    </p:blipFill>
+                    <p:spPr>
+                      <a:xfrm>
+                        <a:off x="1403689" y="1333353"/>
+                        <a:ext cx="9203260" cy="5120787"/>
+                      </a:xfrm>
+                      <a:prstGeom prst="rect">
+                        <a:avLst/>
+                      </a:prstGeom>
+                    </p:spPr>
+                  </p:pic>
+                </p:oleObj>
+              </mc:Fallback>
+            </mc:AlternateContent>
+          </a:graphicData>
+        </a:graphic>
+      </p:graphicFrame>
     </p:spTree>
   </p:cSld>
   <p:clrMapOvr>
